--- a/Documentation/Check-list/Чек-лист.pptx
+++ b/Documentation/Check-list/Чек-лист.pptx
@@ -254,7 +254,7 @@
           <a:p>
             <a:fld id="{BCDAD38E-5B0A-4BF2-B6FB-EC7DDF846FAA}" type="datetimeFigureOut">
               <a:rPr lang="ru-RU" smtClean="0"/>
-              <a:t>27.10.2021</a:t>
+              <a:t>01.11.2021</a:t>
             </a:fld>
             <a:endParaRPr lang="ru-RU"/>
           </a:p>
@@ -424,7 +424,7 @@
           <a:p>
             <a:fld id="{BCDAD38E-5B0A-4BF2-B6FB-EC7DDF846FAA}" type="datetimeFigureOut">
               <a:rPr lang="ru-RU" smtClean="0"/>
-              <a:t>27.10.2021</a:t>
+              <a:t>01.11.2021</a:t>
             </a:fld>
             <a:endParaRPr lang="ru-RU"/>
           </a:p>
@@ -604,7 +604,7 @@
           <a:p>
             <a:fld id="{BCDAD38E-5B0A-4BF2-B6FB-EC7DDF846FAA}" type="datetimeFigureOut">
               <a:rPr lang="ru-RU" smtClean="0"/>
-              <a:t>27.10.2021</a:t>
+              <a:t>01.11.2021</a:t>
             </a:fld>
             <a:endParaRPr lang="ru-RU"/>
           </a:p>
@@ -774,7 +774,7 @@
           <a:p>
             <a:fld id="{BCDAD38E-5B0A-4BF2-B6FB-EC7DDF846FAA}" type="datetimeFigureOut">
               <a:rPr lang="ru-RU" smtClean="0"/>
-              <a:t>27.10.2021</a:t>
+              <a:t>01.11.2021</a:t>
             </a:fld>
             <a:endParaRPr lang="ru-RU"/>
           </a:p>
@@ -1018,7 +1018,7 @@
           <a:p>
             <a:fld id="{BCDAD38E-5B0A-4BF2-B6FB-EC7DDF846FAA}" type="datetimeFigureOut">
               <a:rPr lang="ru-RU" smtClean="0"/>
-              <a:t>27.10.2021</a:t>
+              <a:t>01.11.2021</a:t>
             </a:fld>
             <a:endParaRPr lang="ru-RU"/>
           </a:p>
@@ -1250,7 +1250,7 @@
           <a:p>
             <a:fld id="{BCDAD38E-5B0A-4BF2-B6FB-EC7DDF846FAA}" type="datetimeFigureOut">
               <a:rPr lang="ru-RU" smtClean="0"/>
-              <a:t>27.10.2021</a:t>
+              <a:t>01.11.2021</a:t>
             </a:fld>
             <a:endParaRPr lang="ru-RU"/>
           </a:p>
@@ -1617,7 +1617,7 @@
           <a:p>
             <a:fld id="{BCDAD38E-5B0A-4BF2-B6FB-EC7DDF846FAA}" type="datetimeFigureOut">
               <a:rPr lang="ru-RU" smtClean="0"/>
-              <a:t>27.10.2021</a:t>
+              <a:t>01.11.2021</a:t>
             </a:fld>
             <a:endParaRPr lang="ru-RU"/>
           </a:p>
@@ -1735,7 +1735,7 @@
           <a:p>
             <a:fld id="{BCDAD38E-5B0A-4BF2-B6FB-EC7DDF846FAA}" type="datetimeFigureOut">
               <a:rPr lang="ru-RU" smtClean="0"/>
-              <a:t>27.10.2021</a:t>
+              <a:t>01.11.2021</a:t>
             </a:fld>
             <a:endParaRPr lang="ru-RU"/>
           </a:p>
@@ -1830,7 +1830,7 @@
           <a:p>
             <a:fld id="{BCDAD38E-5B0A-4BF2-B6FB-EC7DDF846FAA}" type="datetimeFigureOut">
               <a:rPr lang="ru-RU" smtClean="0"/>
-              <a:t>27.10.2021</a:t>
+              <a:t>01.11.2021</a:t>
             </a:fld>
             <a:endParaRPr lang="ru-RU"/>
           </a:p>
@@ -2107,7 +2107,7 @@
           <a:p>
             <a:fld id="{BCDAD38E-5B0A-4BF2-B6FB-EC7DDF846FAA}" type="datetimeFigureOut">
               <a:rPr lang="ru-RU" smtClean="0"/>
-              <a:t>27.10.2021</a:t>
+              <a:t>01.11.2021</a:t>
             </a:fld>
             <a:endParaRPr lang="ru-RU"/>
           </a:p>
@@ -2364,7 +2364,7 @@
           <a:p>
             <a:fld id="{BCDAD38E-5B0A-4BF2-B6FB-EC7DDF846FAA}" type="datetimeFigureOut">
               <a:rPr lang="ru-RU" smtClean="0"/>
-              <a:t>27.10.2021</a:t>
+              <a:t>01.11.2021</a:t>
             </a:fld>
             <a:endParaRPr lang="ru-RU"/>
           </a:p>
@@ -2577,7 +2577,7 @@
           <a:p>
             <a:fld id="{BCDAD38E-5B0A-4BF2-B6FB-EC7DDF846FAA}" type="datetimeFigureOut">
               <a:rPr lang="ru-RU" smtClean="0"/>
-              <a:t>27.10.2021</a:t>
+              <a:t>01.11.2021</a:t>
             </a:fld>
             <a:endParaRPr lang="ru-RU"/>
           </a:p>
@@ -3403,14 +3403,14 @@
           <p:nvPr>
             <p:extLst>
               <p:ext uri="{D42A27DB-BD31-4B8C-83A1-F6EECF244321}">
-                <p14:modId xmlns:p14="http://schemas.microsoft.com/office/powerpoint/2010/main" val="1284650758"/>
+                <p14:modId xmlns:p14="http://schemas.microsoft.com/office/powerpoint/2010/main" val="132909471"/>
               </p:ext>
             </p:extLst>
           </p:nvPr>
         </p:nvGraphicFramePr>
         <p:xfrm>
           <a:off x="297179" y="1830710"/>
-          <a:ext cx="6248401" cy="4389120"/>
+          <a:ext cx="6237924" cy="3567432"/>
         </p:xfrm>
         <a:graphic>
           <a:graphicData uri="http://schemas.openxmlformats.org/drawingml/2006/table">
@@ -3426,21 +3426,21 @@
                     </a:ext>
                   </a:extLst>
                 </a:gridCol>
-                <a:gridCol w="2941320">
+                <a:gridCol w="2943860">
                   <a:extLst>
                     <a:ext uri="{9D8B030D-6E8A-4147-A177-3AD203B41FA5}">
                       <a16:colId xmlns:a16="http://schemas.microsoft.com/office/drawing/2014/main" val="2947915078"/>
                     </a:ext>
                   </a:extLst>
                 </a:gridCol>
-                <a:gridCol w="1028700">
+                <a:gridCol w="1081723">
                   <a:extLst>
                     <a:ext uri="{9D8B030D-6E8A-4147-A177-3AD203B41FA5}">
                       <a16:colId xmlns:a16="http://schemas.microsoft.com/office/drawing/2014/main" val="982654735"/>
                     </a:ext>
                   </a:extLst>
                 </a:gridCol>
-                <a:gridCol w="1531620">
+                <a:gridCol w="1465580">
                   <a:extLst>
                     <a:ext uri="{9D8B030D-6E8A-4147-A177-3AD203B41FA5}">
                       <a16:colId xmlns:a16="http://schemas.microsoft.com/office/drawing/2014/main" val="418538663"/>
@@ -3535,11 +3535,160 @@
                         </a:spcAft>
                       </a:pPr>
                       <a:r>
-                        <a:rPr lang="ru-RU" sz="1000" b="0" dirty="0">
+                        <a:rPr lang="ru-RU" sz="1350" kern="1200" dirty="0">
+                          <a:solidFill>
+                            <a:schemeClr val="dk1"/>
+                          </a:solidFill>
                           <a:effectLst/>
-                          <a:latin typeface="Bahnschrift SemiBold" panose="020B0502040204020203" pitchFamily="34" charset="0"/>
+                          <a:latin typeface="+mn-lt"/>
+                          <a:ea typeface="+mn-ea"/>
+                          <a:cs typeface="+mn-cs"/>
                         </a:rPr>
-                        <a:t>Проектирование требований к программному продукту</a:t>
+                        <a:t>Приложение корректно отображается</a:t>
+                      </a:r>
+                      <a:r>
+                        <a:rPr lang="en-US" sz="1350" kern="1200" dirty="0">
+                          <a:solidFill>
+                            <a:schemeClr val="dk1"/>
+                          </a:solidFill>
+                          <a:effectLst/>
+                          <a:latin typeface="+mn-lt"/>
+                          <a:ea typeface="+mn-ea"/>
+                          <a:cs typeface="+mn-cs"/>
+                        </a:rPr>
+                        <a:t> </a:t>
+                      </a:r>
+                      <a:r>
+                        <a:rPr lang="ru-RU" sz="1350" kern="1200" dirty="0">
+                          <a:solidFill>
+                            <a:schemeClr val="dk1"/>
+                          </a:solidFill>
+                          <a:effectLst/>
+                          <a:latin typeface="+mn-lt"/>
+                          <a:ea typeface="+mn-ea"/>
+                          <a:cs typeface="+mn-cs"/>
+                        </a:rPr>
+                        <a:t>и</a:t>
+                      </a:r>
+                      <a:r>
+                        <a:rPr lang="en-US" sz="1350" kern="1200" dirty="0">
+                          <a:solidFill>
+                            <a:schemeClr val="dk1"/>
+                          </a:solidFill>
+                          <a:effectLst/>
+                          <a:latin typeface="+mn-lt"/>
+                          <a:ea typeface="+mn-ea"/>
+                          <a:cs typeface="+mn-cs"/>
+                        </a:rPr>
+                        <a:t> </a:t>
+                      </a:r>
+                      <a:r>
+                        <a:rPr lang="ru-RU" sz="1350" kern="1200" dirty="0">
+                          <a:solidFill>
+                            <a:schemeClr val="dk1"/>
+                          </a:solidFill>
+                          <a:effectLst/>
+                          <a:latin typeface="+mn-lt"/>
+                          <a:ea typeface="+mn-ea"/>
+                          <a:cs typeface="+mn-cs"/>
+                        </a:rPr>
+                        <a:t>функционирует во всех актуальных</a:t>
+                      </a:r>
+                      <a:r>
+                        <a:rPr lang="en-US" sz="1350" kern="1200" dirty="0">
+                          <a:solidFill>
+                            <a:schemeClr val="dk1"/>
+                          </a:solidFill>
+                          <a:effectLst/>
+                          <a:latin typeface="+mn-lt"/>
+                          <a:ea typeface="+mn-ea"/>
+                          <a:cs typeface="+mn-cs"/>
+                        </a:rPr>
+                        <a:t> </a:t>
+                      </a:r>
+                      <a:r>
+                        <a:rPr lang="ru-RU" sz="1350" kern="1200" dirty="0">
+                          <a:solidFill>
+                            <a:schemeClr val="dk1"/>
+                          </a:solidFill>
+                          <a:effectLst/>
+                          <a:latin typeface="+mn-lt"/>
+                          <a:ea typeface="+mn-ea"/>
+                          <a:cs typeface="+mn-cs"/>
+                        </a:rPr>
+                        <a:t>браузерах (</a:t>
+                      </a:r>
+                      <a:r>
+                        <a:rPr lang="ru-RU" sz="1350" kern="1200" dirty="0" err="1">
+                          <a:solidFill>
+                            <a:schemeClr val="dk1"/>
+                          </a:solidFill>
+                          <a:effectLst/>
+                          <a:latin typeface="+mn-lt"/>
+                          <a:ea typeface="+mn-ea"/>
+                          <a:cs typeface="+mn-cs"/>
+                        </a:rPr>
+                        <a:t>Edge</a:t>
+                      </a:r>
+                      <a:r>
+                        <a:rPr lang="ru-RU" sz="1350" kern="1200" dirty="0">
+                          <a:solidFill>
+                            <a:schemeClr val="dk1"/>
+                          </a:solidFill>
+                          <a:effectLst/>
+                          <a:latin typeface="+mn-lt"/>
+                          <a:ea typeface="+mn-ea"/>
+                          <a:cs typeface="+mn-cs"/>
+                        </a:rPr>
+                        <a:t>, </a:t>
+                      </a:r>
+                      <a:r>
+                        <a:rPr lang="ru-RU" sz="1350" kern="1200" dirty="0" err="1">
+                          <a:solidFill>
+                            <a:schemeClr val="dk1"/>
+                          </a:solidFill>
+                          <a:effectLst/>
+                          <a:latin typeface="+mn-lt"/>
+                          <a:ea typeface="+mn-ea"/>
+                          <a:cs typeface="+mn-cs"/>
+                        </a:rPr>
+                        <a:t>Chrome</a:t>
+                      </a:r>
+                      <a:r>
+                        <a:rPr lang="ru-RU" sz="1350" kern="1200" dirty="0">
+                          <a:solidFill>
+                            <a:schemeClr val="dk1"/>
+                          </a:solidFill>
+                          <a:effectLst/>
+                          <a:latin typeface="+mn-lt"/>
+                          <a:ea typeface="+mn-ea"/>
+                          <a:cs typeface="+mn-cs"/>
+                        </a:rPr>
+                        <a:t>, </a:t>
+                      </a:r>
+                      <a:r>
+                        <a:rPr lang="ru-RU" sz="1350" kern="1200" dirty="0" err="1">
+                          <a:solidFill>
+                            <a:schemeClr val="dk1"/>
+                          </a:solidFill>
+                          <a:effectLst/>
+                          <a:latin typeface="+mn-lt"/>
+                          <a:ea typeface="+mn-ea"/>
+                          <a:cs typeface="+mn-cs"/>
+                        </a:rPr>
+                        <a:t>Firefox</a:t>
+                      </a:r>
+                      <a:r>
+                        <a:rPr lang="ru-RU" sz="1350" kern="1200" dirty="0">
+                          <a:solidFill>
+                            <a:schemeClr val="dk1"/>
+                          </a:solidFill>
+                          <a:effectLst/>
+                          <a:latin typeface="+mn-lt"/>
+                          <a:ea typeface="+mn-ea"/>
+                          <a:cs typeface="+mn-cs"/>
+                        </a:rPr>
+                        <a:t>). </a:t>
                       </a:r>
                       <a:endParaRPr lang="ru-RU" sz="1000" b="0" dirty="0">
                         <a:effectLst/>
@@ -3608,16 +3757,16 @@
                       <a:r>
                         <a:rPr lang="ru-RU" sz="1050" dirty="0">
                           <a:solidFill>
-                            <a:srgbClr val="FF0000"/>
+                            <a:srgbClr val="00B050"/>
                           </a:solidFill>
                           <a:effectLst/>
                           <a:latin typeface="Bahnschrift SemiBold" panose="020B0502040204020203" pitchFamily="34" charset="0"/>
                           <a:ea typeface="Calibri" panose="020F0502020204030204" pitchFamily="34" charset="0"/>
                           <a:cs typeface="Arial" panose="020B0604020202020204" pitchFamily="34" charset="0"/>
                         </a:rPr>
-                        <a:t>Отрицательно</a:t>
+                        <a:t>Положительно</a:t>
                       </a:r>
-                      <a:endParaRPr lang="ru-RU" sz="1000" dirty="0">
+                      <a:endParaRPr lang="ru-RU" sz="1050" dirty="0">
                         <a:effectLst/>
                         <a:latin typeface="Calibri" panose="020F0502020204030204" pitchFamily="34" charset="0"/>
                         <a:ea typeface="Calibri" panose="020F0502020204030204" pitchFamily="34" charset="0"/>
@@ -3681,13 +3830,10 @@
                           <a:spcPts val="0"/>
                         </a:spcAft>
                       </a:pPr>
-                      <a:r>
-                        <a:rPr lang="ru-RU" sz="1000" dirty="0">
-                          <a:effectLst/>
-                          <a:latin typeface="Bahnschrift Light" panose="020B0502040204020203" pitchFamily="34" charset="0"/>
-                        </a:rPr>
-                        <a:t>Готовое техническое задание.</a:t>
-                      </a:r>
+                      <a:endParaRPr lang="ru-RU" sz="1000" dirty="0">
+                        <a:effectLst/>
+                        <a:latin typeface="Bahnschrift Light" panose="020B0502040204020203" pitchFamily="34" charset="0"/>
+                      </a:endParaRPr>
                     </a:p>
                   </a:txBody>
                   <a:tcPr marL="68580" marR="68580" marT="0" marB="0" anchor="ctr">
@@ -3819,14 +3965,173 @@
                         </a:spcAft>
                       </a:pPr>
                       <a:r>
-                        <a:rPr lang="ru-RU" sz="1000" b="0" dirty="0">
+                        <a:rPr lang="ru-RU" sz="1350" kern="1200" dirty="0">
+                          <a:solidFill>
+                            <a:schemeClr val="dk1"/>
+                          </a:solidFill>
+                          <a:effectLst/>
+                          <a:latin typeface="+mn-lt"/>
+                          <a:ea typeface="+mn-ea"/>
+                          <a:cs typeface="+mn-cs"/>
+                        </a:rPr>
+                        <a:t>Приложение корректно отображается</a:t>
+                      </a:r>
+                      <a:r>
+                        <a:rPr lang="en-US" sz="1350" kern="1200" dirty="0">
+                          <a:solidFill>
+                            <a:schemeClr val="dk1"/>
+                          </a:solidFill>
+                          <a:effectLst/>
+                          <a:latin typeface="+mn-lt"/>
+                          <a:ea typeface="+mn-ea"/>
+                          <a:cs typeface="+mn-cs"/>
+                        </a:rPr>
+                        <a:t> </a:t>
+                      </a:r>
+                      <a:r>
+                        <a:rPr lang="ru-RU" sz="1350" kern="1200" dirty="0">
+                          <a:solidFill>
+                            <a:schemeClr val="dk1"/>
+                          </a:solidFill>
+                          <a:effectLst/>
+                          <a:latin typeface="+mn-lt"/>
+                          <a:ea typeface="+mn-ea"/>
+                          <a:cs typeface="+mn-cs"/>
+                        </a:rPr>
+                        <a:t>и</a:t>
+                      </a:r>
+                      <a:r>
+                        <a:rPr lang="en-US" sz="1350" kern="1200" dirty="0">
+                          <a:solidFill>
+                            <a:schemeClr val="dk1"/>
+                          </a:solidFill>
+                          <a:effectLst/>
+                          <a:latin typeface="+mn-lt"/>
+                          <a:ea typeface="+mn-ea"/>
+                          <a:cs typeface="+mn-cs"/>
+                        </a:rPr>
+                        <a:t> </a:t>
+                      </a:r>
+                      <a:r>
+                        <a:rPr lang="ru-RU" sz="1350" kern="1200" dirty="0">
+                          <a:solidFill>
+                            <a:schemeClr val="dk1"/>
+                          </a:solidFill>
+                          <a:effectLst/>
+                          <a:latin typeface="+mn-lt"/>
+                          <a:ea typeface="+mn-ea"/>
+                          <a:cs typeface="+mn-cs"/>
+                        </a:rPr>
+                        <a:t>функционирует во всех актуальных</a:t>
+                      </a:r>
+                      <a:r>
+                        <a:rPr lang="en-US" sz="1350" kern="1200" dirty="0">
+                          <a:solidFill>
+                            <a:schemeClr val="dk1"/>
+                          </a:solidFill>
+                          <a:effectLst/>
+                          <a:latin typeface="+mn-lt"/>
+                          <a:ea typeface="+mn-ea"/>
+                          <a:cs typeface="+mn-cs"/>
+                        </a:rPr>
+                        <a:t> </a:t>
+                      </a:r>
+                      <a:r>
+                        <a:rPr lang="ru-RU" sz="1350" kern="1200" dirty="0">
+                          <a:solidFill>
+                            <a:schemeClr val="dk1"/>
+                          </a:solidFill>
+                          <a:effectLst/>
+                          <a:latin typeface="+mn-lt"/>
+                          <a:ea typeface="+mn-ea"/>
+                          <a:cs typeface="+mn-cs"/>
+                        </a:rPr>
+                        <a:t>версиях браузеров</a:t>
+                      </a:r>
+                      <a:endParaRPr lang="ru-RU" sz="1000" b="0" dirty="0">
+                        <a:effectLst/>
+                        <a:latin typeface="Bahnschrift SemiBold" panose="020B0502040204020203" pitchFamily="34" charset="0"/>
+                        <a:ea typeface="Times New Roman" panose="02020603050405020304" pitchFamily="18" charset="0"/>
+                        <a:cs typeface="Times New Roman" panose="02020603050405020304" pitchFamily="18" charset="0"/>
+                      </a:endParaRPr>
+                    </a:p>
+                  </a:txBody>
+                  <a:tcPr marL="68580" marR="68580" marT="0" marB="0" anchor="ctr">
+                    <a:lnL w="12700" cap="flat" cmpd="sng" algn="ctr">
+                      <a:solidFill>
+                        <a:schemeClr val="tx1"/>
+                      </a:solidFill>
+                      <a:prstDash val="solid"/>
+                      <a:round/>
+                      <a:headEnd type="none" w="med" len="med"/>
+                      <a:tailEnd type="none" w="med" len="med"/>
+                    </a:lnL>
+                    <a:lnR w="12700" cap="flat" cmpd="sng" algn="ctr">
+                      <a:solidFill>
+                        <a:schemeClr val="tx1"/>
+                      </a:solidFill>
+                      <a:prstDash val="solid"/>
+                      <a:round/>
+                      <a:headEnd type="none" w="med" len="med"/>
+                      <a:tailEnd type="none" w="med" len="med"/>
+                    </a:lnR>
+                    <a:lnT w="12700" cap="flat" cmpd="sng" algn="ctr">
+                      <a:solidFill>
+                        <a:schemeClr val="tx1"/>
+                      </a:solidFill>
+                      <a:prstDash val="solid"/>
+                      <a:round/>
+                      <a:headEnd type="none" w="med" len="med"/>
+                      <a:tailEnd type="none" w="med" len="med"/>
+                    </a:lnT>
+                    <a:lnB w="12700" cap="flat" cmpd="sng" algn="ctr">
+                      <a:solidFill>
+                        <a:schemeClr val="tx1"/>
+                      </a:solidFill>
+                      <a:prstDash val="solid"/>
+                      <a:round/>
+                      <a:headEnd type="none" w="med" len="med"/>
+                      <a:tailEnd type="none" w="med" len="med"/>
+                    </a:lnB>
+                    <a:solidFill>
+                      <a:schemeClr val="bg1"/>
+                    </a:solidFill>
+                  </a:tcPr>
+                </a:tc>
+                <a:tc>
+                  <a:txBody>
+                    <a:bodyPr/>
+                    <a:lstStyle/>
+                    <a:p>
+                      <a:pPr marL="0" marR="0" algn="ctr">
+                        <a:lnSpc>
+                          <a:spcPct val="107000"/>
+                        </a:lnSpc>
+                        <a:spcBef>
+                          <a:spcPts val="0"/>
+                        </a:spcBef>
+                        <a:spcAft>
+                          <a:spcPts val="800"/>
+                        </a:spcAft>
+                      </a:pPr>
+                      <a:r>
+                        <a:rPr lang="ru-RU" sz="1000" dirty="0">
+                          <a:solidFill>
+                            <a:srgbClr val="00B050"/>
+                          </a:solidFill>
                           <a:effectLst/>
                           <a:latin typeface="Bahnschrift SemiBold" panose="020B0502040204020203" pitchFamily="34" charset="0"/>
-                          <a:ea typeface="Times New Roman" panose="02020603050405020304" pitchFamily="18" charset="0"/>
-                          <a:cs typeface="Times New Roman" panose="02020603050405020304" pitchFamily="18" charset="0"/>
+                          <a:ea typeface="Calibri" panose="020F0502020204030204" pitchFamily="34" charset="0"/>
+                          <a:cs typeface="Arial" panose="020B0604020202020204" pitchFamily="34" charset="0"/>
                         </a:rPr>
-                        <a:t>Проектирование ПО</a:t>
+                        <a:t>Положительно</a:t>
                       </a:r>
+                      <a:endParaRPr lang="ru-RU" sz="1000" dirty="0">
+                        <a:effectLst/>
+                        <a:latin typeface="Calibri" panose="020F0502020204030204" pitchFamily="34" charset="0"/>
+                        <a:ea typeface="Calibri" panose="020F0502020204030204" pitchFamily="34" charset="0"/>
+                        <a:cs typeface="Arial" panose="020B0604020202020204" pitchFamily="34" charset="0"/>
+                      </a:endParaRPr>
                     </a:p>
                   </a:txBody>
                   <a:tcPr marL="68580" marR="68580" marT="0" marB="0" anchor="ctr">
@@ -3887,91 +4192,10 @@
                           <a:spcPts val="0"/>
                         </a:spcAft>
                       </a:pPr>
-                      <a:r>
-                        <a:rPr lang="ru-RU" sz="1000" dirty="0">
-                          <a:solidFill>
-                            <a:srgbClr val="FF0000"/>
-                          </a:solidFill>
-                          <a:effectLst/>
-                          <a:latin typeface="Bahnschrift SemiBold" panose="020B0502040204020203" pitchFamily="34" charset="0"/>
-                          <a:ea typeface="Calibri" panose="020F0502020204030204" pitchFamily="34" charset="0"/>
-                          <a:cs typeface="Arial" panose="020B0604020202020204" pitchFamily="34" charset="0"/>
-                        </a:rPr>
-                        <a:t>Отрицательно</a:t>
-                      </a:r>
                       <a:endParaRPr lang="ru-RU" sz="1000" dirty="0">
                         <a:effectLst/>
                         <a:latin typeface="Bahnschrift Light" panose="020B0502040204020203" pitchFamily="34" charset="0"/>
-                        <a:ea typeface="Times New Roman" panose="02020603050405020304" pitchFamily="18" charset="0"/>
-                        <a:cs typeface="Times New Roman" panose="02020603050405020304" pitchFamily="18" charset="0"/>
                       </a:endParaRPr>
-                    </a:p>
-                  </a:txBody>
-                  <a:tcPr marL="68580" marR="68580" marT="0" marB="0" anchor="ctr">
-                    <a:lnL w="12700" cap="flat" cmpd="sng" algn="ctr">
-                      <a:solidFill>
-                        <a:schemeClr val="tx1"/>
-                      </a:solidFill>
-                      <a:prstDash val="solid"/>
-                      <a:round/>
-                      <a:headEnd type="none" w="med" len="med"/>
-                      <a:tailEnd type="none" w="med" len="med"/>
-                    </a:lnL>
-                    <a:lnR w="12700" cap="flat" cmpd="sng" algn="ctr">
-                      <a:solidFill>
-                        <a:schemeClr val="tx1"/>
-                      </a:solidFill>
-                      <a:prstDash val="solid"/>
-                      <a:round/>
-                      <a:headEnd type="none" w="med" len="med"/>
-                      <a:tailEnd type="none" w="med" len="med"/>
-                    </a:lnR>
-                    <a:lnT w="12700" cap="flat" cmpd="sng" algn="ctr">
-                      <a:solidFill>
-                        <a:schemeClr val="tx1"/>
-                      </a:solidFill>
-                      <a:prstDash val="solid"/>
-                      <a:round/>
-                      <a:headEnd type="none" w="med" len="med"/>
-                      <a:tailEnd type="none" w="med" len="med"/>
-                    </a:lnT>
-                    <a:lnB w="12700" cap="flat" cmpd="sng" algn="ctr">
-                      <a:solidFill>
-                        <a:schemeClr val="tx1"/>
-                      </a:solidFill>
-                      <a:prstDash val="solid"/>
-                      <a:round/>
-                      <a:headEnd type="none" w="med" len="med"/>
-                      <a:tailEnd type="none" w="med" len="med"/>
-                    </a:lnB>
-                    <a:solidFill>
-                      <a:schemeClr val="bg1"/>
-                    </a:solidFill>
-                  </a:tcPr>
-                </a:tc>
-                <a:tc>
-                  <a:txBody>
-                    <a:bodyPr/>
-                    <a:lstStyle/>
-                    <a:p>
-                      <a:pPr marL="0" marR="0" algn="ctr">
-                        <a:lnSpc>
-                          <a:spcPct val="150000"/>
-                        </a:lnSpc>
-                        <a:spcBef>
-                          <a:spcPts val="0"/>
-                        </a:spcBef>
-                        <a:spcAft>
-                          <a:spcPts val="0"/>
-                        </a:spcAft>
-                      </a:pPr>
-                      <a:r>
-                        <a:rPr lang="ru-RU" sz="1000" dirty="0">
-                          <a:effectLst/>
-                          <a:latin typeface="Bahnschrift Light" panose="020B0502040204020203" pitchFamily="34" charset="0"/>
-                        </a:rPr>
-                        <a:t>Функциональная модель и диаграммы</a:t>
-                      </a:r>
                     </a:p>
                   </a:txBody>
                   <a:tcPr marL="68580" marR="68580" marT="0" marB="0" anchor="ctr">
@@ -4105,14 +4329,59 @@
                         </a:spcAft>
                       </a:pPr>
                       <a:r>
-                        <a:rPr lang="ru-RU" sz="1000" b="0" dirty="0">
+                        <a:rPr lang="ru-RU" sz="1350" kern="1200" dirty="0">
+                          <a:solidFill>
+                            <a:schemeClr val="dk1"/>
+                          </a:solidFill>
                           <a:effectLst/>
-                          <a:latin typeface="Bahnschrift SemiBold" panose="020B0502040204020203" pitchFamily="34" charset="0"/>
-                          <a:ea typeface="Times New Roman" panose="02020603050405020304" pitchFamily="18" charset="0"/>
-                          <a:cs typeface="Times New Roman" panose="02020603050405020304" pitchFamily="18" charset="0"/>
+                          <a:latin typeface="+mn-lt"/>
+                          <a:ea typeface="+mn-ea"/>
+                          <a:cs typeface="+mn-cs"/>
                         </a:rPr>
-                        <a:t>Разработка прототипа ПО</a:t>
+                        <a:t>Работоспособность при удалении</a:t>
                       </a:r>
+                      <a:r>
+                        <a:rPr lang="en-US" sz="1350" kern="1200" dirty="0">
+                          <a:solidFill>
+                            <a:schemeClr val="dk1"/>
+                          </a:solidFill>
+                          <a:effectLst/>
+                          <a:latin typeface="+mn-lt"/>
+                          <a:ea typeface="+mn-ea"/>
+                          <a:cs typeface="+mn-cs"/>
+                        </a:rPr>
+                        <a:t> </a:t>
+                      </a:r>
+                      <a:r>
+                        <a:rPr lang="ru-RU" sz="1350" kern="1200" dirty="0" err="1">
+                          <a:solidFill>
+                            <a:schemeClr val="dk1"/>
+                          </a:solidFill>
+                          <a:effectLst/>
+                          <a:latin typeface="+mn-lt"/>
+                          <a:ea typeface="+mn-ea"/>
+                          <a:cs typeface="+mn-cs"/>
+                        </a:rPr>
+                        <a:t>cookies</a:t>
+                      </a:r>
+                      <a:r>
+                        <a:rPr lang="ru-RU" sz="1350" kern="1200" dirty="0">
+                          <a:solidFill>
+                            <a:schemeClr val="dk1"/>
+                          </a:solidFill>
+                          <a:effectLst/>
+                          <a:latin typeface="+mn-lt"/>
+                          <a:ea typeface="+mn-ea"/>
+                          <a:cs typeface="+mn-cs"/>
+                        </a:rPr>
+                        <a:t> во время использования приложения</a:t>
+                      </a:r>
+                      <a:endParaRPr lang="ru-RU" sz="1000" b="0" dirty="0">
+                        <a:effectLst/>
+                        <a:latin typeface="Bahnschrift SemiBold" panose="020B0502040204020203" pitchFamily="34" charset="0"/>
+                        <a:ea typeface="Times New Roman" panose="02020603050405020304" pitchFamily="18" charset="0"/>
+                        <a:cs typeface="Times New Roman" panose="02020603050405020304" pitchFamily="18" charset="0"/>
+                      </a:endParaRPr>
                     </a:p>
                   </a:txBody>
                   <a:tcPr marL="68580" marR="68580" marT="0" marB="0" anchor="ctr">
@@ -4162,7 +4431,7 @@
                     <a:bodyPr/>
                     <a:lstStyle/>
                     <a:p>
-                      <a:pPr marL="0" marR="0" algn="ctr">
+                      <a:pPr marL="0" marR="0" lvl="0" indent="0" algn="ctr" defTabSz="685800" rtl="0" eaLnBrk="1" fontAlgn="auto" latinLnBrk="0" hangingPunct="1">
                         <a:lnSpc>
                           <a:spcPct val="150000"/>
                         </a:lnSpc>
@@ -4172,24 +4441,30 @@
                         <a:spcAft>
                           <a:spcPts val="0"/>
                         </a:spcAft>
+                        <a:buClrTx/>
+                        <a:buSzTx/>
+                        <a:buFontTx/>
+                        <a:buNone/>
+                        <a:tabLst/>
+                        <a:defRPr/>
                       </a:pPr>
                       <a:r>
                         <a:rPr lang="ru-RU" sz="1000" dirty="0">
                           <a:solidFill>
-                            <a:srgbClr val="FF0000"/>
+                            <a:srgbClr val="00B050"/>
                           </a:solidFill>
                           <a:effectLst/>
                           <a:latin typeface="Bahnschrift SemiBold" panose="020B0502040204020203" pitchFamily="34" charset="0"/>
                           <a:ea typeface="Calibri" panose="020F0502020204030204" pitchFamily="34" charset="0"/>
                           <a:cs typeface="Arial" panose="020B0604020202020204" pitchFamily="34" charset="0"/>
                         </a:rPr>
-                        <a:t>Отрицательно</a:t>
+                        <a:t>Положительно</a:t>
                       </a:r>
                       <a:endParaRPr lang="ru-RU" sz="1000" dirty="0">
                         <a:effectLst/>
-                        <a:latin typeface="Bahnschrift Light" panose="020B0502040204020203" pitchFamily="34" charset="0"/>
-                        <a:ea typeface="Times New Roman" panose="02020603050405020304" pitchFamily="18" charset="0"/>
-                        <a:cs typeface="Times New Roman" panose="02020603050405020304" pitchFamily="18" charset="0"/>
+                        <a:latin typeface="Calibri" panose="020F0502020204030204" pitchFamily="34" charset="0"/>
+                        <a:ea typeface="Calibri" panose="020F0502020204030204" pitchFamily="34" charset="0"/>
+                        <a:cs typeface="Arial" panose="020B0604020202020204" pitchFamily="34" charset="0"/>
                       </a:endParaRPr>
                     </a:p>
                   </a:txBody>
@@ -4256,7 +4531,7 @@
                           <a:effectLst/>
                           <a:latin typeface="Bahnschrift Light" panose="020B0502040204020203" pitchFamily="34" charset="0"/>
                         </a:rPr>
-                        <a:t>Прототип ПО - интерфейс</a:t>
+                        <a:t>Перенаправление в связи утерей доступа</a:t>
                       </a:r>
                     </a:p>
                   </a:txBody>
@@ -4391,14 +4666,47 @@
                         </a:spcAft>
                       </a:pPr>
                       <a:r>
-                        <a:rPr lang="ru-RU" sz="1000" b="0" dirty="0">
+                        <a:rPr lang="ru-RU" sz="1350" kern="1200" dirty="0">
+                          <a:solidFill>
+                            <a:schemeClr val="dk1"/>
+                          </a:solidFill>
                           <a:effectLst/>
-                          <a:latin typeface="Bahnschrift SemiBold" panose="020B0502040204020203" pitchFamily="34" charset="0"/>
-                          <a:ea typeface="Times New Roman" panose="02020603050405020304" pitchFamily="18" charset="0"/>
-                          <a:cs typeface="Times New Roman" panose="02020603050405020304" pitchFamily="18" charset="0"/>
+                          <a:latin typeface="+mn-lt"/>
+                          <a:ea typeface="+mn-ea"/>
+                          <a:cs typeface="+mn-cs"/>
                         </a:rPr>
-                        <a:t>Разработка веб-приложения</a:t>
+                        <a:t>Работоспособность при удалении </a:t>
                       </a:r>
+                      <a:r>
+                        <a:rPr lang="ru-RU" sz="1350" kern="1200" dirty="0" err="1">
+                          <a:solidFill>
+                            <a:schemeClr val="dk1"/>
+                          </a:solidFill>
+                          <a:effectLst/>
+                          <a:latin typeface="+mn-lt"/>
+                          <a:ea typeface="+mn-ea"/>
+                          <a:cs typeface="+mn-cs"/>
+                        </a:rPr>
+                        <a:t>cookies</a:t>
+                      </a:r>
+                      <a:r>
+                        <a:rPr lang="ru-RU" sz="1350" kern="1200" dirty="0">
+                          <a:solidFill>
+                            <a:schemeClr val="dk1"/>
+                          </a:solidFill>
+                          <a:effectLst/>
+                          <a:latin typeface="+mn-lt"/>
+                          <a:ea typeface="+mn-ea"/>
+                          <a:cs typeface="+mn-cs"/>
+                        </a:rPr>
+                        <a:t> после использования приложения</a:t>
+                      </a:r>
+                      <a:endParaRPr lang="ru-RU" sz="1000" b="0" dirty="0">
+                        <a:effectLst/>
+                        <a:latin typeface="Bahnschrift SemiBold" panose="020B0502040204020203" pitchFamily="34" charset="0"/>
+                        <a:ea typeface="Times New Roman" panose="02020603050405020304" pitchFamily="18" charset="0"/>
+                        <a:cs typeface="Times New Roman" panose="02020603050405020304" pitchFamily="18" charset="0"/>
+                      </a:endParaRPr>
                     </a:p>
                   </a:txBody>
                   <a:tcPr marL="68580" marR="68580" marT="0" marB="0" anchor="ctr">
@@ -4448,7 +4756,7 @@
                     <a:bodyPr/>
                     <a:lstStyle/>
                     <a:p>
-                      <a:pPr marL="0" marR="0" algn="ctr">
+                      <a:pPr marL="0" marR="0" lvl="0" indent="0" algn="ctr" defTabSz="685800" rtl="0" eaLnBrk="1" fontAlgn="auto" latinLnBrk="0" hangingPunct="1">
                         <a:lnSpc>
                           <a:spcPct val="107000"/>
                         </a:lnSpc>
@@ -4458,6 +4766,12 @@
                         <a:spcAft>
                           <a:spcPts val="800"/>
                         </a:spcAft>
+                        <a:buClrTx/>
+                        <a:buSzTx/>
+                        <a:buFontTx/>
+                        <a:buNone/>
+                        <a:tabLst/>
+                        <a:defRPr/>
                       </a:pPr>
                       <a:r>
                         <a:rPr lang="ru-RU" sz="1000" dirty="0">
@@ -4473,9 +4787,9 @@
                       </a:r>
                       <a:endParaRPr lang="ru-RU" sz="1000" dirty="0">
                         <a:effectLst/>
-                        <a:latin typeface="Calibri" panose="020F0502020204030204" pitchFamily="34" charset="0"/>
-                        <a:ea typeface="Calibri" panose="020F0502020204030204" pitchFamily="34" charset="0"/>
-                        <a:cs typeface="Arial" panose="020B0604020202020204" pitchFamily="34" charset="0"/>
+                        <a:latin typeface="Bahnschrift Light" panose="020B0502040204020203" pitchFamily="34" charset="0"/>
+                        <a:ea typeface="Times New Roman" panose="02020603050405020304" pitchFamily="18" charset="0"/>
+                        <a:cs typeface="Times New Roman" panose="02020603050405020304" pitchFamily="18" charset="0"/>
                       </a:endParaRPr>
                     </a:p>
                   </a:txBody>
@@ -4537,13 +4851,10 @@
                           <a:spcPts val="0"/>
                         </a:spcAft>
                       </a:pPr>
-                      <a:r>
-                        <a:rPr lang="ru-RU" sz="1000" dirty="0">
-                          <a:effectLst/>
-                          <a:latin typeface="Bahnschrift Light" panose="020B0502040204020203" pitchFamily="34" charset="0"/>
-                        </a:rPr>
-                        <a:t>Внутренние модули, описания и руководства</a:t>
-                      </a:r>
+                      <a:endParaRPr lang="ru-RU" sz="1000" dirty="0">
+                        <a:effectLst/>
+                        <a:latin typeface="Bahnschrift Light" panose="020B0502040204020203" pitchFamily="34" charset="0"/>
+                      </a:endParaRPr>
                     </a:p>
                   </a:txBody>
                   <a:tcPr marL="68580" marR="68580" marT="0" marB="0" anchor="ctr">
@@ -4592,574 +4903,100 @@
                   </a:ext>
                 </a:extLst>
               </a:tr>
-              <a:tr h="731520">
-                <a:tc>
-                  <a:txBody>
-                    <a:bodyPr/>
-                    <a:lstStyle/>
-                    <a:p>
-                      <a:pPr marL="0" marR="0" algn="ctr">
-                        <a:lnSpc>
-                          <a:spcPct val="150000"/>
-                        </a:lnSpc>
-                        <a:spcBef>
-                          <a:spcPts val="0"/>
-                        </a:spcBef>
-                        <a:spcAft>
-                          <a:spcPts val="0"/>
-                        </a:spcAft>
-                      </a:pPr>
-                      <a:r>
-                        <a:rPr lang="ru-RU" sz="1000" b="0" dirty="0">
-                          <a:effectLst/>
-                          <a:latin typeface="Bahnschrift SemiBold" panose="020B0502040204020203" pitchFamily="34" charset="0"/>
-                          <a:ea typeface="Times New Roman" panose="02020603050405020304" pitchFamily="18" charset="0"/>
-                          <a:cs typeface="Times New Roman" panose="02020603050405020304" pitchFamily="18" charset="0"/>
-                        </a:rPr>
-                        <a:t>5</a:t>
-                      </a:r>
-                    </a:p>
-                  </a:txBody>
-                  <a:tcPr marL="68580" marR="68580" marT="0" marB="0" anchor="ctr">
-                    <a:lnL w="12700" cap="flat" cmpd="sng" algn="ctr">
-                      <a:noFill/>
-                      <a:prstDash val="solid"/>
-                      <a:round/>
-                      <a:headEnd type="none" w="med" len="med"/>
-                      <a:tailEnd type="none" w="med" len="med"/>
-                    </a:lnL>
-                    <a:lnR w="12700" cap="flat" cmpd="sng" algn="ctr">
-                      <a:solidFill>
-                        <a:schemeClr val="tx1"/>
-                      </a:solidFill>
-                      <a:prstDash val="solid"/>
-                      <a:round/>
-                      <a:headEnd type="none" w="med" len="med"/>
-                      <a:tailEnd type="none" w="med" len="med"/>
-                    </a:lnR>
-                    <a:lnT w="12700" cap="flat" cmpd="sng" algn="ctr">
-                      <a:solidFill>
-                        <a:schemeClr val="tx1"/>
-                      </a:solidFill>
-                      <a:prstDash val="solid"/>
-                      <a:round/>
-                      <a:headEnd type="none" w="med" len="med"/>
-                      <a:tailEnd type="none" w="med" len="med"/>
-                    </a:lnT>
-                    <a:lnB w="12700" cap="flat" cmpd="sng" algn="ctr">
-                      <a:solidFill>
-                        <a:schemeClr val="tx1"/>
-                      </a:solidFill>
-                      <a:prstDash val="solid"/>
-                      <a:round/>
-                      <a:headEnd type="none" w="med" len="med"/>
-                      <a:tailEnd type="none" w="med" len="med"/>
-                    </a:lnB>
-                    <a:solidFill>
-                      <a:schemeClr val="bg1"/>
-                    </a:solidFill>
-                  </a:tcPr>
-                </a:tc>
-                <a:tc>
-                  <a:txBody>
-                    <a:bodyPr/>
-                    <a:lstStyle/>
-                    <a:p>
-                      <a:pPr marL="0" marR="0" algn="ctr">
-                        <a:lnSpc>
-                          <a:spcPct val="150000"/>
-                        </a:lnSpc>
-                        <a:spcBef>
-                          <a:spcPts val="0"/>
-                        </a:spcBef>
-                        <a:spcAft>
-                          <a:spcPts val="0"/>
-                        </a:spcAft>
-                      </a:pPr>
-                      <a:r>
-                        <a:rPr lang="ru-RU" sz="1000" b="0" dirty="0">
-                          <a:effectLst/>
-                          <a:latin typeface="Bahnschrift SemiBold" panose="020B0502040204020203" pitchFamily="34" charset="0"/>
-                          <a:ea typeface="Times New Roman" panose="02020603050405020304" pitchFamily="18" charset="0"/>
-                          <a:cs typeface="Times New Roman" panose="02020603050405020304" pitchFamily="18" charset="0"/>
-                        </a:rPr>
-                        <a:t>Тестирование и составление документации</a:t>
-                      </a:r>
-                    </a:p>
-                  </a:txBody>
-                  <a:tcPr marL="68580" marR="68580" marT="0" marB="0" anchor="ctr">
-                    <a:lnL w="12700" cap="flat" cmpd="sng" algn="ctr">
-                      <a:solidFill>
-                        <a:schemeClr val="tx1"/>
-                      </a:solidFill>
-                      <a:prstDash val="solid"/>
-                      <a:round/>
-                      <a:headEnd type="none" w="med" len="med"/>
-                      <a:tailEnd type="none" w="med" len="med"/>
-                    </a:lnL>
-                    <a:lnR w="12700" cap="flat" cmpd="sng" algn="ctr">
-                      <a:solidFill>
-                        <a:schemeClr val="tx1"/>
-                      </a:solidFill>
-                      <a:prstDash val="solid"/>
-                      <a:round/>
-                      <a:headEnd type="none" w="med" len="med"/>
-                      <a:tailEnd type="none" w="med" len="med"/>
-                    </a:lnR>
-                    <a:lnT w="12700" cap="flat" cmpd="sng" algn="ctr">
-                      <a:solidFill>
-                        <a:schemeClr val="tx1"/>
-                      </a:solidFill>
-                      <a:prstDash val="solid"/>
-                      <a:round/>
-                      <a:headEnd type="none" w="med" len="med"/>
-                      <a:tailEnd type="none" w="med" len="med"/>
-                    </a:lnT>
-                    <a:lnB w="12700" cap="flat" cmpd="sng" algn="ctr">
-                      <a:solidFill>
-                        <a:schemeClr val="tx1"/>
-                      </a:solidFill>
-                      <a:prstDash val="solid"/>
-                      <a:round/>
-                      <a:headEnd type="none" w="med" len="med"/>
-                      <a:tailEnd type="none" w="med" len="med"/>
-                    </a:lnB>
-                    <a:solidFill>
-                      <a:schemeClr val="bg1"/>
-                    </a:solidFill>
-                  </a:tcPr>
-                </a:tc>
-                <a:tc>
-                  <a:txBody>
-                    <a:bodyPr/>
-                    <a:lstStyle/>
-                    <a:p>
-                      <a:pPr marL="0" marR="0" algn="ctr">
-                        <a:lnSpc>
-                          <a:spcPct val="107000"/>
-                        </a:lnSpc>
-                        <a:spcBef>
-                          <a:spcPts val="0"/>
-                        </a:spcBef>
-                        <a:spcAft>
-                          <a:spcPts val="800"/>
-                        </a:spcAft>
-                      </a:pPr>
-                      <a:r>
-                        <a:rPr lang="ru-RU" sz="1000" dirty="0">
-                          <a:solidFill>
-                            <a:srgbClr val="00B050"/>
-                          </a:solidFill>
-                          <a:effectLst/>
-                          <a:latin typeface="Bahnschrift SemiBold" panose="020B0502040204020203" pitchFamily="34" charset="0"/>
-                          <a:ea typeface="Calibri" panose="020F0502020204030204" pitchFamily="34" charset="0"/>
-                          <a:cs typeface="Arial" panose="020B0604020202020204" pitchFamily="34" charset="0"/>
-                        </a:rPr>
-                        <a:t>Положительно</a:t>
-                      </a:r>
-                      <a:endParaRPr lang="ru-RU" sz="900" dirty="0">
-                        <a:effectLst/>
-                        <a:latin typeface="Calibri" panose="020F0502020204030204" pitchFamily="34" charset="0"/>
-                        <a:ea typeface="Calibri" panose="020F0502020204030204" pitchFamily="34" charset="0"/>
-                        <a:cs typeface="Arial" panose="020B0604020202020204" pitchFamily="34" charset="0"/>
-                      </a:endParaRPr>
-                    </a:p>
-                  </a:txBody>
-                  <a:tcPr marL="68580" marR="68580" marT="0" marB="0" anchor="ctr">
-                    <a:lnL w="12700" cap="flat" cmpd="sng" algn="ctr">
-                      <a:solidFill>
-                        <a:schemeClr val="tx1"/>
-                      </a:solidFill>
-                      <a:prstDash val="solid"/>
-                      <a:round/>
-                      <a:headEnd type="none" w="med" len="med"/>
-                      <a:tailEnd type="none" w="med" len="med"/>
-                    </a:lnL>
-                    <a:lnR w="12700" cap="flat" cmpd="sng" algn="ctr">
-                      <a:solidFill>
-                        <a:schemeClr val="tx1"/>
-                      </a:solidFill>
-                      <a:prstDash val="solid"/>
-                      <a:round/>
-                      <a:headEnd type="none" w="med" len="med"/>
-                      <a:tailEnd type="none" w="med" len="med"/>
-                    </a:lnR>
-                    <a:lnT w="12700" cap="flat" cmpd="sng" algn="ctr">
-                      <a:solidFill>
-                        <a:schemeClr val="tx1"/>
-                      </a:solidFill>
-                      <a:prstDash val="solid"/>
-                      <a:round/>
-                      <a:headEnd type="none" w="med" len="med"/>
-                      <a:tailEnd type="none" w="med" len="med"/>
-                    </a:lnT>
-                    <a:lnB w="12700" cap="flat" cmpd="sng" algn="ctr">
-                      <a:solidFill>
-                        <a:schemeClr val="tx1"/>
-                      </a:solidFill>
-                      <a:prstDash val="solid"/>
-                      <a:round/>
-                      <a:headEnd type="none" w="med" len="med"/>
-                      <a:tailEnd type="none" w="med" len="med"/>
-                    </a:lnB>
-                    <a:solidFill>
-                      <a:schemeClr val="bg1"/>
-                    </a:solidFill>
-                  </a:tcPr>
-                </a:tc>
-                <a:tc>
-                  <a:txBody>
-                    <a:bodyPr/>
-                    <a:lstStyle/>
-                    <a:p>
-                      <a:pPr marL="0" marR="0" algn="ctr">
-                        <a:lnSpc>
-                          <a:spcPct val="150000"/>
-                        </a:lnSpc>
-                        <a:spcBef>
-                          <a:spcPts val="0"/>
-                        </a:spcBef>
-                        <a:spcAft>
-                          <a:spcPts val="0"/>
-                        </a:spcAft>
-                      </a:pPr>
-                      <a:r>
-                        <a:rPr lang="ru-RU" sz="1000" dirty="0">
-                          <a:effectLst/>
-                          <a:latin typeface="Bahnschrift Light" panose="020B0502040204020203" pitchFamily="34" charset="0"/>
-                        </a:rPr>
-                        <a:t>Результаты тестирования, документация</a:t>
-                      </a:r>
-                    </a:p>
-                  </a:txBody>
-                  <a:tcPr marL="68580" marR="68580" marT="0" marB="0" anchor="ctr">
-                    <a:lnL w="12700" cap="flat" cmpd="sng" algn="ctr">
-                      <a:solidFill>
-                        <a:schemeClr val="tx1"/>
-                      </a:solidFill>
-                      <a:prstDash val="solid"/>
-                      <a:round/>
-                      <a:headEnd type="none" w="med" len="med"/>
-                      <a:tailEnd type="none" w="med" len="med"/>
-                    </a:lnL>
-                    <a:lnR w="12700" cap="flat" cmpd="sng" algn="ctr">
-                      <a:noFill/>
-                      <a:prstDash val="solid"/>
-                      <a:round/>
-                      <a:headEnd type="none" w="med" len="med"/>
-                      <a:tailEnd type="none" w="med" len="med"/>
-                    </a:lnR>
-                    <a:lnT w="12700" cap="flat" cmpd="sng" algn="ctr">
-                      <a:solidFill>
-                        <a:schemeClr val="tx1"/>
-                      </a:solidFill>
-                      <a:prstDash val="solid"/>
-                      <a:round/>
-                      <a:headEnd type="none" w="med" len="med"/>
-                      <a:tailEnd type="none" w="med" len="med"/>
-                    </a:lnT>
-                    <a:lnB w="12700" cap="flat" cmpd="sng" algn="ctr">
-                      <a:solidFill>
-                        <a:schemeClr val="tx1"/>
-                      </a:solidFill>
-                      <a:prstDash val="solid"/>
-                      <a:round/>
-                      <a:headEnd type="none" w="med" len="med"/>
-                      <a:tailEnd type="none" w="med" len="med"/>
-                    </a:lnB>
-                    <a:solidFill>
-                      <a:schemeClr val="bg1"/>
-                    </a:solidFill>
-                  </a:tcPr>
-                </a:tc>
-                <a:extLst>
-                  <a:ext uri="{0D108BD9-81ED-4DB2-BD59-A6C34878D82A}">
-                    <a16:rowId xmlns:a16="http://schemas.microsoft.com/office/drawing/2014/main" val="4140674713"/>
-                  </a:ext>
-                </a:extLst>
-              </a:tr>
-              <a:tr h="731520">
-                <a:tc>
-                  <a:txBody>
-                    <a:bodyPr/>
-                    <a:lstStyle/>
-                    <a:p>
-                      <a:pPr marL="0" marR="0" algn="ctr">
-                        <a:lnSpc>
-                          <a:spcPct val="150000"/>
-                        </a:lnSpc>
-                        <a:spcBef>
-                          <a:spcPts val="0"/>
-                        </a:spcBef>
-                        <a:spcAft>
-                          <a:spcPts val="0"/>
-                        </a:spcAft>
-                      </a:pPr>
-                      <a:r>
-                        <a:rPr lang="ru-RU" sz="1000" b="0" dirty="0">
-                          <a:effectLst/>
-                          <a:latin typeface="Bahnschrift SemiBold" panose="020B0502040204020203" pitchFamily="34" charset="0"/>
-                          <a:ea typeface="Times New Roman" panose="02020603050405020304" pitchFamily="18" charset="0"/>
-                          <a:cs typeface="Times New Roman" panose="02020603050405020304" pitchFamily="18" charset="0"/>
-                        </a:rPr>
-                        <a:t>6</a:t>
-                      </a:r>
-                    </a:p>
-                  </a:txBody>
-                  <a:tcPr marL="68580" marR="68580" marT="0" marB="0" anchor="ctr">
-                    <a:lnL w="12700" cap="flat" cmpd="sng" algn="ctr">
-                      <a:noFill/>
-                      <a:prstDash val="solid"/>
-                      <a:round/>
-                      <a:headEnd type="none" w="med" len="med"/>
-                      <a:tailEnd type="none" w="med" len="med"/>
-                    </a:lnL>
-                    <a:lnR w="12700" cap="flat" cmpd="sng" algn="ctr">
-                      <a:solidFill>
-                        <a:schemeClr val="tx1"/>
-                      </a:solidFill>
-                      <a:prstDash val="solid"/>
-                      <a:round/>
-                      <a:headEnd type="none" w="med" len="med"/>
-                      <a:tailEnd type="none" w="med" len="med"/>
-                    </a:lnR>
-                    <a:lnT w="12700" cap="flat" cmpd="sng" algn="ctr">
-                      <a:solidFill>
-                        <a:schemeClr val="tx1"/>
-                      </a:solidFill>
-                      <a:prstDash val="solid"/>
-                      <a:round/>
-                      <a:headEnd type="none" w="med" len="med"/>
-                      <a:tailEnd type="none" w="med" len="med"/>
-                    </a:lnT>
-                    <a:lnB w="12700" cap="flat" cmpd="sng" algn="ctr">
-                      <a:noFill/>
-                      <a:prstDash val="solid"/>
-                      <a:round/>
-                      <a:headEnd type="none" w="med" len="med"/>
-                      <a:tailEnd type="none" w="med" len="med"/>
-                    </a:lnB>
-                    <a:solidFill>
-                      <a:schemeClr val="bg1"/>
-                    </a:solidFill>
-                  </a:tcPr>
-                </a:tc>
-                <a:tc>
-                  <a:txBody>
-                    <a:bodyPr/>
-                    <a:lstStyle/>
-                    <a:p>
-                      <a:pPr marL="0" marR="0" algn="ctr">
-                        <a:lnSpc>
-                          <a:spcPct val="150000"/>
-                        </a:lnSpc>
-                        <a:spcBef>
-                          <a:spcPts val="0"/>
-                        </a:spcBef>
-                        <a:spcAft>
-                          <a:spcPts val="0"/>
-                        </a:spcAft>
-                      </a:pPr>
-                      <a:r>
-                        <a:rPr lang="ru-RU" sz="1000" b="0" dirty="0">
-                          <a:effectLst/>
-                          <a:latin typeface="Bahnschrift SemiBold" panose="020B0502040204020203" pitchFamily="34" charset="0"/>
-                          <a:ea typeface="Times New Roman" panose="02020603050405020304" pitchFamily="18" charset="0"/>
-                          <a:cs typeface="Times New Roman" panose="02020603050405020304" pitchFamily="18" charset="0"/>
-                        </a:rPr>
-                        <a:t>Передача программного продукта в эксплуатацию</a:t>
-                      </a:r>
-                    </a:p>
-                  </a:txBody>
-                  <a:tcPr marL="68580" marR="68580" marT="0" marB="0" anchor="ctr">
-                    <a:lnL w="12700" cap="flat" cmpd="sng" algn="ctr">
-                      <a:solidFill>
-                        <a:schemeClr val="tx1"/>
-                      </a:solidFill>
-                      <a:prstDash val="solid"/>
-                      <a:round/>
-                      <a:headEnd type="none" w="med" len="med"/>
-                      <a:tailEnd type="none" w="med" len="med"/>
-                    </a:lnL>
-                    <a:lnR w="12700" cap="flat" cmpd="sng" algn="ctr">
-                      <a:solidFill>
-                        <a:schemeClr val="tx1"/>
-                      </a:solidFill>
-                      <a:prstDash val="solid"/>
-                      <a:round/>
-                      <a:headEnd type="none" w="med" len="med"/>
-                      <a:tailEnd type="none" w="med" len="med"/>
-                    </a:lnR>
-                    <a:lnT w="12700" cap="flat" cmpd="sng" algn="ctr">
-                      <a:solidFill>
-                        <a:schemeClr val="tx1"/>
-                      </a:solidFill>
-                      <a:prstDash val="solid"/>
-                      <a:round/>
-                      <a:headEnd type="none" w="med" len="med"/>
-                      <a:tailEnd type="none" w="med" len="med"/>
-                    </a:lnT>
-                    <a:lnB w="12700" cap="flat" cmpd="sng" algn="ctr">
-                      <a:noFill/>
-                      <a:prstDash val="solid"/>
-                      <a:round/>
-                      <a:headEnd type="none" w="med" len="med"/>
-                      <a:tailEnd type="none" w="med" len="med"/>
-                    </a:lnB>
-                    <a:solidFill>
-                      <a:schemeClr val="bg1"/>
-                    </a:solidFill>
-                  </a:tcPr>
-                </a:tc>
-                <a:tc>
-                  <a:txBody>
-                    <a:bodyPr/>
-                    <a:lstStyle/>
-                    <a:p>
-                      <a:pPr marL="0" marR="0" algn="ctr">
-                        <a:lnSpc>
-                          <a:spcPct val="107000"/>
-                        </a:lnSpc>
-                        <a:spcBef>
-                          <a:spcPts val="0"/>
-                        </a:spcBef>
-                        <a:spcAft>
-                          <a:spcPts val="800"/>
-                        </a:spcAft>
-                      </a:pPr>
-                      <a:r>
-                        <a:rPr lang="ru-RU" sz="1000" dirty="0">
-                          <a:solidFill>
-                            <a:srgbClr val="00B050"/>
-                          </a:solidFill>
-                          <a:effectLst/>
-                          <a:latin typeface="Bahnschrift SemiBold" panose="020B0502040204020203" pitchFamily="34" charset="0"/>
-                          <a:ea typeface="Calibri" panose="020F0502020204030204" pitchFamily="34" charset="0"/>
-                          <a:cs typeface="Arial" panose="020B0604020202020204" pitchFamily="34" charset="0"/>
-                        </a:rPr>
-                        <a:t>Положительно</a:t>
-                      </a:r>
-                      <a:endParaRPr lang="ru-RU" sz="900" dirty="0">
-                        <a:effectLst/>
-                        <a:latin typeface="Calibri" panose="020F0502020204030204" pitchFamily="34" charset="0"/>
-                        <a:ea typeface="Calibri" panose="020F0502020204030204" pitchFamily="34" charset="0"/>
-                        <a:cs typeface="Arial" panose="020B0604020202020204" pitchFamily="34" charset="0"/>
-                      </a:endParaRPr>
-                    </a:p>
-                  </a:txBody>
-                  <a:tcPr marL="68580" marR="68580" marT="0" marB="0" anchor="ctr">
-                    <a:lnL w="12700" cap="flat" cmpd="sng" algn="ctr">
-                      <a:solidFill>
-                        <a:schemeClr val="tx1"/>
-                      </a:solidFill>
-                      <a:prstDash val="solid"/>
-                      <a:round/>
-                      <a:headEnd type="none" w="med" len="med"/>
-                      <a:tailEnd type="none" w="med" len="med"/>
-                    </a:lnL>
-                    <a:lnR w="12700" cap="flat" cmpd="sng" algn="ctr">
-                      <a:solidFill>
-                        <a:schemeClr val="tx1"/>
-                      </a:solidFill>
-                      <a:prstDash val="solid"/>
-                      <a:round/>
-                      <a:headEnd type="none" w="med" len="med"/>
-                      <a:tailEnd type="none" w="med" len="med"/>
-                    </a:lnR>
-                    <a:lnT w="12700" cap="flat" cmpd="sng" algn="ctr">
-                      <a:solidFill>
-                        <a:schemeClr val="tx1"/>
-                      </a:solidFill>
-                      <a:prstDash val="solid"/>
-                      <a:round/>
-                      <a:headEnd type="none" w="med" len="med"/>
-                      <a:tailEnd type="none" w="med" len="med"/>
-                    </a:lnT>
-                    <a:lnB w="12700" cap="flat" cmpd="sng" algn="ctr">
-                      <a:noFill/>
-                      <a:prstDash val="solid"/>
-                      <a:round/>
-                      <a:headEnd type="none" w="med" len="med"/>
-                      <a:tailEnd type="none" w="med" len="med"/>
-                    </a:lnB>
-                    <a:solidFill>
-                      <a:schemeClr val="bg1"/>
-                    </a:solidFill>
-                  </a:tcPr>
-                </a:tc>
-                <a:tc>
-                  <a:txBody>
-                    <a:bodyPr/>
-                    <a:lstStyle/>
-                    <a:p>
-                      <a:pPr marL="0" marR="0" algn="ctr">
-                        <a:lnSpc>
-                          <a:spcPct val="150000"/>
-                        </a:lnSpc>
-                        <a:spcBef>
-                          <a:spcPts val="0"/>
-                        </a:spcBef>
-                        <a:spcAft>
-                          <a:spcPts val="0"/>
-                        </a:spcAft>
-                      </a:pPr>
-                      <a:r>
-                        <a:rPr lang="ru-RU" sz="1000" dirty="0">
-                          <a:effectLst/>
-                          <a:latin typeface="Bahnschrift Light" panose="020B0502040204020203" pitchFamily="34" charset="0"/>
-                        </a:rPr>
-                        <a:t>Программный продукт, презентация</a:t>
-                      </a:r>
-                    </a:p>
-                  </a:txBody>
-                  <a:tcPr marL="68580" marR="68580" marT="0" marB="0" anchor="ctr">
-                    <a:lnL w="12700" cap="flat" cmpd="sng" algn="ctr">
-                      <a:solidFill>
-                        <a:schemeClr val="tx1"/>
-                      </a:solidFill>
-                      <a:prstDash val="solid"/>
-                      <a:round/>
-                      <a:headEnd type="none" w="med" len="med"/>
-                      <a:tailEnd type="none" w="med" len="med"/>
-                    </a:lnL>
-                    <a:lnR w="12700" cap="flat" cmpd="sng" algn="ctr">
-                      <a:noFill/>
-                      <a:prstDash val="solid"/>
-                      <a:round/>
-                      <a:headEnd type="none" w="med" len="med"/>
-                      <a:tailEnd type="none" w="med" len="med"/>
-                    </a:lnR>
-                    <a:lnT w="12700" cap="flat" cmpd="sng" algn="ctr">
-                      <a:solidFill>
-                        <a:schemeClr val="tx1"/>
-                      </a:solidFill>
-                      <a:prstDash val="solid"/>
-                      <a:round/>
-                      <a:headEnd type="none" w="med" len="med"/>
-                      <a:tailEnd type="none" w="med" len="med"/>
-                    </a:lnT>
-                    <a:lnB w="12700" cap="flat" cmpd="sng" algn="ctr">
-                      <a:noFill/>
-                      <a:prstDash val="solid"/>
-                      <a:round/>
-                      <a:headEnd type="none" w="med" len="med"/>
-                      <a:tailEnd type="none" w="med" len="med"/>
-                    </a:lnB>
-                    <a:solidFill>
-                      <a:schemeClr val="bg1"/>
-                    </a:solidFill>
-                  </a:tcPr>
-                </a:tc>
-                <a:extLst>
-                  <a:ext uri="{0D108BD9-81ED-4DB2-BD59-A6C34878D82A}">
-                    <a16:rowId xmlns:a16="http://schemas.microsoft.com/office/drawing/2014/main" val="3929595405"/>
-                  </a:ext>
-                </a:extLst>
-              </a:tr>
             </a:tbl>
           </a:graphicData>
         </a:graphic>
       </p:graphicFrame>
+      <p:sp>
+        <p:nvSpPr>
+          <p:cNvPr id="9" name="Rectangle: Rounded Corners 3">
+            <a:extLst>
+              <a:ext uri="{FF2B5EF4-FFF2-40B4-BE49-F238E27FC236}">
+                <a16:creationId xmlns:a16="http://schemas.microsoft.com/office/drawing/2014/main" id="{BDD2C1D2-7403-413A-AC31-570FF99BBE46}"/>
+              </a:ext>
+            </a:extLst>
+          </p:cNvPr>
+          <p:cNvSpPr/>
+          <p:nvPr/>
+        </p:nvSpPr>
+        <p:spPr>
+          <a:xfrm>
+            <a:off x="209868" y="5468632"/>
+            <a:ext cx="6412546" cy="507683"/>
+          </a:xfrm>
+          <a:prstGeom prst="roundRect">
+            <a:avLst>
+              <a:gd name="adj" fmla="val 20477"/>
+            </a:avLst>
+          </a:prstGeom>
+          <a:solidFill>
+            <a:srgbClr val="303030"/>
+          </a:solidFill>
+          <a:ln>
+            <a:solidFill>
+              <a:srgbClr val="303030"/>
+            </a:solidFill>
+          </a:ln>
+        </p:spPr>
+        <p:style>
+          <a:lnRef idx="2">
+            <a:schemeClr val="accent1">
+              <a:shade val="50000"/>
+            </a:schemeClr>
+          </a:lnRef>
+          <a:fillRef idx="1">
+            <a:schemeClr val="accent1"/>
+          </a:fillRef>
+          <a:effectRef idx="0">
+            <a:schemeClr val="accent1"/>
+          </a:effectRef>
+          <a:fontRef idx="minor">
+            <a:schemeClr val="lt1"/>
+          </a:fontRef>
+        </p:style>
+        <p:txBody>
+          <a:bodyPr wrap="square" rtlCol="0" anchor="ctr">
+            <a:noAutofit/>
+          </a:bodyPr>
+          <a:lstStyle/>
+          <a:p>
+            <a:pPr marL="0" marR="0" algn="ctr">
+              <a:lnSpc>
+                <a:spcPct val="115000"/>
+              </a:lnSpc>
+              <a:spcBef>
+                <a:spcPts val="0"/>
+              </a:spcBef>
+              <a:spcAft>
+                <a:spcPts val="800"/>
+              </a:spcAft>
+            </a:pPr>
+            <a:r>
+              <a:rPr lang="ru-RU" sz="1100" dirty="0" err="1">
+                <a:effectLst/>
+                <a:latin typeface="Bahnschrift Light" panose="020B0502040204020203" pitchFamily="34" charset="0"/>
+                <a:ea typeface="Calibri" panose="020F0502020204030204" pitchFamily="34" charset="0"/>
+                <a:cs typeface="Arial" panose="020B0604020202020204" pitchFamily="34" charset="0"/>
+              </a:rPr>
+              <a:t>Кроссбраузерное</a:t>
+            </a:r>
+            <a:r>
+              <a:rPr lang="ru-RU" sz="1100" dirty="0">
+                <a:effectLst/>
+                <a:latin typeface="Bahnschrift Light" panose="020B0502040204020203" pitchFamily="34" charset="0"/>
+                <a:ea typeface="Calibri" panose="020F0502020204030204" pitchFamily="34" charset="0"/>
+                <a:cs typeface="Arial" panose="020B0604020202020204" pitchFamily="34" charset="0"/>
+              </a:rPr>
+              <a:t> тестирование</a:t>
+            </a:r>
+            <a:endParaRPr lang="ru-RU" sz="1100" dirty="0">
+              <a:effectLst/>
+              <a:ea typeface="Calibri" panose="020F0502020204030204" pitchFamily="34" charset="0"/>
+              <a:cs typeface="Arial" panose="020B0604020202020204" pitchFamily="34" charset="0"/>
+            </a:endParaRPr>
+          </a:p>
+        </p:txBody>
+      </p:sp>
     </p:spTree>
     <p:extLst>
       <p:ext uri="{BB962C8B-B14F-4D97-AF65-F5344CB8AC3E}">
